--- a/NOT START - 2021.01 - [ JS Back End ]/00 - [ Course Introduction ]/Presentation.pptx
+++ b/NOT START - 2021.01 - [ JS Back End ]/00 - [ Course Introduction ]/Presentation.pptx
@@ -317,7 +317,7 @@
             <a:fld id="{4E087215-0C8F-4762-A664-737A353EC9A4}" type="datetimeFigureOut">
               <a:rPr lang="bg-BG" smtClean="0"/>
               <a:pPr/>
-              <a:t>8.1.2021 г.</a:t>
+              <a:t>13.1.2021 г.</a:t>
             </a:fld>
             <a:endParaRPr lang="bg-BG"/>
           </a:p>
@@ -510,7 +510,7 @@
             <a:fld id="{72D84649-876A-46C9-8472-14CB09C070D8}" type="datetimeFigureOut">
               <a:rPr lang="en-US" smtClean="0"/>
               <a:pPr/>
-              <a:t>1/8/2021</a:t>
+              <a:t>1/13/2021</a:t>
             </a:fld>
             <a:endParaRPr lang="en-US"/>
           </a:p>
@@ -1611,7 +1611,7 @@
     </p:spTree>
     <p:extLst>
       <p:ext uri="{BB962C8B-B14F-4D97-AF65-F5344CB8AC3E}">
-        <p14:creationId xmlns:p14="http://schemas.microsoft.com/office/powerpoint/2010/main" val="1147202557"/>
+        <p14:creationId xmlns:p14="http://schemas.microsoft.com/office/powerpoint/2010/main" val="4169285219"/>
       </p:ext>
     </p:extLst>
   </p:cSld>
@@ -15828,23 +15828,23 @@
   <p:clrMapOvr>
     <a:masterClrMapping/>
   </p:clrMapOvr>
-  <mc:AlternateContent xmlns:mc="http://schemas.openxmlformats.org/markup-compatibility/2006">
-    <mc:Choice xmlns:p14="http://schemas.microsoft.com/office/powerpoint/2010/main" Requires="p14">
+  <mc:AlternateContent xmlns:mc="http://schemas.openxmlformats.org/markup-compatibility/2006" xmlns:p14="http://schemas.microsoft.com/office/powerpoint/2010/main">
+    <mc:Choice Requires="p14">
       <p:transition spd="slow" p14:dur="2000" advClick="0" advTm="5000"/>
     </mc:Choice>
-    <mc:Fallback>
+    <mc:Fallback xmlns="">
       <p:transition spd="slow" advClick="0" advTm="5000"/>
     </mc:Fallback>
   </mc:AlternateContent>
   <p:extLst>
     <p:ext uri="{DCECCB84-F9BA-43D5-87BE-67443E8EF086}">
       <p15:sldGuideLst xmlns:p15="http://schemas.microsoft.com/office/powerpoint/2012/main">
-        <p15:guide id="4294967295" orient="horz" pos="2160">
+        <p15:guide id="1" orient="horz" pos="2160">
           <p15:clr>
             <a:srgbClr val="FBAE40"/>
           </p15:clr>
         </p15:guide>
-        <p15:guide id="4294967295" pos="3840">
+        <p15:guide id="2" pos="3840">
           <p15:clr>
             <a:srgbClr val="FBAE40"/>
           </p15:clr>
@@ -16026,11 +16026,11 @@
   <p:clrMapOvr>
     <a:masterClrMapping/>
   </p:clrMapOvr>
-  <mc:AlternateContent xmlns:mc="http://schemas.openxmlformats.org/markup-compatibility/2006">
-    <mc:Choice xmlns:p14="http://schemas.microsoft.com/office/powerpoint/2010/main" Requires="p14">
+  <mc:AlternateContent xmlns:mc="http://schemas.openxmlformats.org/markup-compatibility/2006" xmlns:p14="http://schemas.microsoft.com/office/powerpoint/2010/main">
+    <mc:Choice Requires="p14">
       <p:transition spd="slow" p14:dur="2000" advClick="0" advTm="5000"/>
     </mc:Choice>
-    <mc:Fallback>
+    <mc:Fallback xmlns="">
       <p:transition spd="slow" advClick="0" advTm="5000"/>
     </mc:Fallback>
   </mc:AlternateContent>
@@ -16423,11 +16423,11 @@
   <p:clrMapOvr>
     <a:masterClrMapping/>
   </p:clrMapOvr>
-  <mc:AlternateContent xmlns:mc="http://schemas.openxmlformats.org/markup-compatibility/2006">
-    <mc:Choice xmlns:p14="http://schemas.microsoft.com/office/powerpoint/2010/main" Requires="p14">
+  <mc:AlternateContent xmlns:mc="http://schemas.openxmlformats.org/markup-compatibility/2006" xmlns:p14="http://schemas.microsoft.com/office/powerpoint/2010/main">
+    <mc:Choice Requires="p14">
       <p:transition spd="slow" p14:dur="2000" advClick="0" advTm="5000"/>
     </mc:Choice>
-    <mc:Fallback>
+    <mc:Fallback xmlns="">
       <p:transition spd="slow" advClick="0" advTm="5000"/>
     </mc:Fallback>
   </mc:AlternateContent>
@@ -17902,11 +17902,11 @@
   <p:clrMapOvr>
     <a:masterClrMapping/>
   </p:clrMapOvr>
-  <mc:AlternateContent xmlns:mc="http://schemas.openxmlformats.org/markup-compatibility/2006">
-    <mc:Choice xmlns:p14="http://schemas.microsoft.com/office/powerpoint/2010/main" Requires="p14">
+  <mc:AlternateContent xmlns:mc="http://schemas.openxmlformats.org/markup-compatibility/2006" xmlns:p14="http://schemas.microsoft.com/office/powerpoint/2010/main">
+    <mc:Choice Requires="p14">
       <p:transition spd="slow" p14:dur="2000" advClick="0" advTm="5000"/>
     </mc:Choice>
-    <mc:Fallback>
+    <mc:Fallback xmlns="">
       <p:transition spd="slow" advClick="0" advTm="5000"/>
     </mc:Fallback>
   </mc:AlternateContent>
@@ -19340,11 +19340,11 @@
   <p:clrMapOvr>
     <a:masterClrMapping/>
   </p:clrMapOvr>
-  <mc:AlternateContent xmlns:mc="http://schemas.openxmlformats.org/markup-compatibility/2006">
-    <mc:Choice xmlns:p14="http://schemas.microsoft.com/office/powerpoint/2010/main" Requires="p14">
+  <mc:AlternateContent xmlns:mc="http://schemas.openxmlformats.org/markup-compatibility/2006" xmlns:p14="http://schemas.microsoft.com/office/powerpoint/2010/main">
+    <mc:Choice Requires="p14">
       <p:transition spd="slow" p14:dur="2000" advClick="0" advTm="5000"/>
     </mc:Choice>
-    <mc:Fallback>
+    <mc:Fallback xmlns="">
       <p:transition spd="slow" advClick="0" advTm="5000"/>
     </mc:Fallback>
   </mc:AlternateContent>
@@ -20790,11 +20790,11 @@
   <p:clrMapOvr>
     <a:masterClrMapping/>
   </p:clrMapOvr>
-  <mc:AlternateContent xmlns:mc="http://schemas.openxmlformats.org/markup-compatibility/2006">
-    <mc:Choice xmlns:p14="http://schemas.microsoft.com/office/powerpoint/2010/main" Requires="p14">
+  <mc:AlternateContent xmlns:mc="http://schemas.openxmlformats.org/markup-compatibility/2006" xmlns:p14="http://schemas.microsoft.com/office/powerpoint/2010/main">
+    <mc:Choice Requires="p14">
       <p:transition spd="slow" p14:dur="2000" advClick="0" advTm="5000"/>
     </mc:Choice>
-    <mc:Fallback>
+    <mc:Fallback xmlns="">
       <p:transition spd="slow" advClick="0" advTm="5000"/>
     </mc:Fallback>
   </mc:AlternateContent>
@@ -21559,11 +21559,11 @@
   <p:clrMapOvr>
     <a:masterClrMapping/>
   </p:clrMapOvr>
-  <mc:AlternateContent xmlns:mc="http://schemas.openxmlformats.org/markup-compatibility/2006">
-    <mc:Choice xmlns:p14="http://schemas.microsoft.com/office/powerpoint/2010/main" Requires="p14">
+  <mc:AlternateContent xmlns:mc="http://schemas.openxmlformats.org/markup-compatibility/2006" xmlns:p14="http://schemas.microsoft.com/office/powerpoint/2010/main">
+    <mc:Choice Requires="p14">
       <p:transition spd="slow" p14:dur="2000" advClick="0" advTm="5000"/>
     </mc:Choice>
-    <mc:Fallback>
+    <mc:Fallback xmlns="">
       <p:transition spd="slow" advClick="0" advTm="5000"/>
     </mc:Fallback>
   </mc:AlternateContent>
@@ -22005,11 +22005,11 @@
   <p:clrMapOvr>
     <a:masterClrMapping/>
   </p:clrMapOvr>
-  <mc:AlternateContent xmlns:mc="http://schemas.openxmlformats.org/markup-compatibility/2006">
-    <mc:Choice xmlns:p14="http://schemas.microsoft.com/office/powerpoint/2010/main" Requires="p14">
+  <mc:AlternateContent xmlns:mc="http://schemas.openxmlformats.org/markup-compatibility/2006" xmlns:p14="http://schemas.microsoft.com/office/powerpoint/2010/main">
+    <mc:Choice Requires="p14">
       <p:transition spd="slow" p14:dur="2000" advClick="0" advTm="5000"/>
     </mc:Choice>
-    <mc:Fallback>
+    <mc:Fallback xmlns="">
       <p:transition spd="slow" advClick="0" advTm="5000"/>
     </mc:Fallback>
   </mc:AlternateContent>
@@ -22633,23 +22633,23 @@
   <p:clrMapOvr>
     <a:masterClrMapping/>
   </p:clrMapOvr>
-  <mc:AlternateContent xmlns:mc="http://schemas.openxmlformats.org/markup-compatibility/2006">
-    <mc:Choice xmlns:p14="http://schemas.microsoft.com/office/powerpoint/2010/main" Requires="p14">
+  <mc:AlternateContent xmlns:mc="http://schemas.openxmlformats.org/markup-compatibility/2006" xmlns:p14="http://schemas.microsoft.com/office/powerpoint/2010/main">
+    <mc:Choice Requires="p14">
       <p:transition spd="slow" p14:dur="2000" advClick="0" advTm="5000"/>
     </mc:Choice>
-    <mc:Fallback>
+    <mc:Fallback xmlns="">
       <p:transition spd="slow" advClick="0" advTm="5000"/>
     </mc:Fallback>
   </mc:AlternateContent>
   <p:extLst>
     <p:ext uri="{DCECCB84-F9BA-43D5-87BE-67443E8EF086}">
       <p15:sldGuideLst xmlns:p15="http://schemas.microsoft.com/office/powerpoint/2012/main">
-        <p15:guide id="4294967295" orient="horz" pos="2160">
+        <p15:guide id="1" orient="horz" pos="2160">
           <p15:clr>
             <a:srgbClr val="FBAE40"/>
           </p15:clr>
         </p15:guide>
-        <p15:guide id="4294967295" pos="3840">
+        <p15:guide id="2" pos="3840">
           <p15:clr>
             <a:srgbClr val="FBAE40"/>
           </p15:clr>
@@ -23289,11 +23289,11 @@
   <p:clrMapOvr>
     <a:masterClrMapping/>
   </p:clrMapOvr>
-  <mc:AlternateContent xmlns:mc="http://schemas.openxmlformats.org/markup-compatibility/2006">
-    <mc:Choice xmlns:p14="http://schemas.microsoft.com/office/powerpoint/2010/main" Requires="p14">
+  <mc:AlternateContent xmlns:mc="http://schemas.openxmlformats.org/markup-compatibility/2006" xmlns:p14="http://schemas.microsoft.com/office/powerpoint/2010/main">
+    <mc:Choice Requires="p14">
       <p:transition spd="slow" p14:dur="2000" advClick="0" advTm="5000"/>
     </mc:Choice>
-    <mc:Fallback>
+    <mc:Fallback xmlns="">
       <p:transition spd="slow" advClick="0" advTm="5000"/>
     </mc:Fallback>
   </mc:AlternateContent>
@@ -24972,23 +24972,23 @@
   <p:clrMapOvr>
     <a:masterClrMapping/>
   </p:clrMapOvr>
-  <mc:AlternateContent xmlns:mc="http://schemas.openxmlformats.org/markup-compatibility/2006">
-    <mc:Choice xmlns:p14="http://schemas.microsoft.com/office/powerpoint/2010/main" Requires="p14">
+  <mc:AlternateContent xmlns:mc="http://schemas.openxmlformats.org/markup-compatibility/2006" xmlns:p14="http://schemas.microsoft.com/office/powerpoint/2010/main">
+    <mc:Choice Requires="p14">
       <p:transition spd="slow" p14:dur="2000" advClick="0" advTm="5000"/>
     </mc:Choice>
-    <mc:Fallback>
+    <mc:Fallback xmlns="">
       <p:transition spd="slow" advClick="0" advTm="5000"/>
     </mc:Fallback>
   </mc:AlternateContent>
   <p:extLst>
     <p:ext uri="{DCECCB84-F9BA-43D5-87BE-67443E8EF086}">
       <p15:sldGuideLst xmlns:p15="http://schemas.microsoft.com/office/powerpoint/2012/main">
-        <p15:guide id="4294967295" orient="horz" pos="2160">
+        <p15:guide id="1" orient="horz" pos="2160">
           <p15:clr>
             <a:srgbClr val="FBAE40"/>
           </p15:clr>
         </p15:guide>
-        <p15:guide id="4294967295" pos="3840">
+        <p15:guide id="2" pos="3840">
           <p15:clr>
             <a:srgbClr val="FBAE40"/>
           </p15:clr>
@@ -25711,11 +25711,11 @@
   <p:clrMapOvr>
     <a:masterClrMapping/>
   </p:clrMapOvr>
-  <mc:AlternateContent xmlns:mc="http://schemas.openxmlformats.org/markup-compatibility/2006">
-    <mc:Choice xmlns:p14="http://schemas.microsoft.com/office/powerpoint/2010/main" Requires="p14">
+  <mc:AlternateContent xmlns:mc="http://schemas.openxmlformats.org/markup-compatibility/2006" xmlns:p14="http://schemas.microsoft.com/office/powerpoint/2010/main">
+    <mc:Choice Requires="p14">
       <p:transition spd="slow" p14:dur="2000" advClick="0" advTm="5000"/>
     </mc:Choice>
-    <mc:Fallback>
+    <mc:Fallback xmlns="">
       <p:transition spd="slow" advClick="0" advTm="5000"/>
     </mc:Fallback>
   </mc:AlternateContent>
@@ -32379,11 +32379,11 @@
     <p:sldLayoutId id="2147483715" r:id="rId11"/>
     <p:sldLayoutId id="2147483716" r:id="rId12"/>
   </p:sldLayoutIdLst>
-  <mc:AlternateContent xmlns:mc="http://schemas.openxmlformats.org/markup-compatibility/2006">
-    <mc:Choice xmlns:p14="http://schemas.microsoft.com/office/powerpoint/2010/main" Requires="p14">
+  <mc:AlternateContent xmlns:mc="http://schemas.openxmlformats.org/markup-compatibility/2006" xmlns:p14="http://schemas.microsoft.com/office/powerpoint/2010/main">
+    <mc:Choice Requires="p14">
       <p:transition spd="slow" p14:dur="2000" advClick="0" advTm="5000"/>
     </mc:Choice>
-    <mc:Fallback>
+    <mc:Fallback xmlns="">
       <p:transition spd="slow" advClick="0" advTm="5000"/>
     </mc:Fallback>
   </mc:AlternateContent>
@@ -32671,12 +32671,12 @@
   <p:extLst>
     <p:ext uri="{27BBF7A9-308A-43DC-89C8-2F10F3537804}">
       <p15:sldGuideLst xmlns:p15="http://schemas.microsoft.com/office/powerpoint/2012/main">
-        <p15:guide id="4294967295" orient="horz" pos="2160">
+        <p15:guide id="1" orient="horz" pos="2160">
           <p15:clr>
             <a:srgbClr val="F26B43"/>
           </p15:clr>
         </p15:guide>
-        <p15:guide id="4294967295" pos="1843">
+        <p15:guide id="2" pos="1843">
           <p15:clr>
             <a:srgbClr val="F26B43"/>
           </p15:clr>
@@ -33651,43 +33651,34 @@
                 <a:ea typeface="+mn-lt"/>
                 <a:cs typeface="+mn-lt"/>
               </a:rPr>
-              <a:t>Senior Full-Stack Developer </a:t>
-            </a:r>
-            <a:r>
-              <a:rPr lang="bg-BG" sz="3600" dirty="0">
+              <a:t>Senior Full Stack and Team Lead @ Motion </a:t>
+            </a:r>
+            <a:r>
+              <a:rPr lang="en-US" sz="3600" dirty="0" smtClean="0">
                 <a:ea typeface="+mn-lt"/>
                 <a:cs typeface="+mn-lt"/>
               </a:rPr>
-              <a:t>@</a:t>
+              <a:t>Software</a:t>
+            </a:r>
+            <a:endParaRPr lang="bg-BG" sz="3600" smtClean="0">
+              <a:ea typeface="+mn-lt"/>
+              <a:cs typeface="+mn-lt"/>
+            </a:endParaRPr>
+          </a:p>
+          <a:p>
+            <a:r>
+              <a:rPr lang="en-US" sz="3600" smtClean="0">
+                <a:ea typeface="+mn-lt"/>
+                <a:cs typeface="+mn-lt"/>
+              </a:rPr>
+              <a:t>Technical </a:t>
             </a:r>
             <a:r>
               <a:rPr lang="en-US" sz="3600" dirty="0">
                 <a:ea typeface="+mn-lt"/>
                 <a:cs typeface="+mn-lt"/>
               </a:rPr>
-              <a:t> </a:t>
-            </a:r>
-            <a:br>
-              <a:rPr lang="en-US" sz="3600" dirty="0">
-                <a:ea typeface="+mn-lt"/>
-                <a:cs typeface="+mn-lt"/>
-              </a:rPr>
-            </a:br>
-            <a:r>
-              <a:rPr lang="en-US" sz="3600" dirty="0">
-                <a:ea typeface="+mn-lt"/>
-                <a:cs typeface="+mn-lt"/>
-              </a:rPr>
-              <a:t>Motion Software</a:t>
-            </a:r>
-          </a:p>
-          <a:p>
-            <a:r>
-              <a:rPr lang="en-US" sz="3600" dirty="0">
-                <a:ea typeface="+mn-lt"/>
-                <a:cs typeface="+mn-lt"/>
-              </a:rPr>
-              <a:t>Technical Trainer @ SoftUni</a:t>
+              <a:t>Trainer @ SoftUni</a:t>
             </a:r>
           </a:p>
           <a:p>
@@ -33739,9 +33730,51 @@
           </a:p>
         </p:txBody>
       </p:sp>
+      <p:sp>
+        <p:nvSpPr>
+          <p:cNvPr id="8" name="Slide Number">
+            <a:extLst>
+              <a:ext uri="{FF2B5EF4-FFF2-40B4-BE49-F238E27FC236}">
+                <a16:creationId xmlns:a16="http://schemas.microsoft.com/office/drawing/2014/main" xmlns="" id="{C1780DB1-0AF0-4108-AFE1-9DA99F0DBCB8}"/>
+              </a:ext>
+            </a:extLst>
+          </p:cNvPr>
+          <p:cNvSpPr>
+            <a:spLocks noGrp="1"/>
+          </p:cNvSpPr>
+          <p:nvPr>
+            <p:ph type="sldNum" sz="quarter" idx="5"/>
+          </p:nvPr>
+        </p:nvSpPr>
+        <p:spPr>
+          <a:xfrm>
+            <a:off x="11753030" y="6507000"/>
+            <a:ext cx="367414" cy="297000"/>
+          </a:xfrm>
+          <a:prstGeom prst="rect">
+            <a:avLst/>
+          </a:prstGeom>
+        </p:spPr>
+        <p:txBody>
+          <a:bodyPr vert="horz" lIns="91440" tIns="45720" rIns="91440" bIns="45720" rtlCol="0" anchor="b"/>
+          <a:lstStyle>
+            <a:lvl1pPr algn="r">
+              <a:defRPr sz="1000"/>
+            </a:lvl1pPr>
+          </a:lstStyle>
+          <a:p>
+            <a:fld id="{2BF067CD-8E6B-4360-9AA8-C5DF2A48A6D1}" type="slidenum">
+              <a:rPr lang="en-US" noProof="0" smtClean="0"/>
+              <a:pPr/>
+              <a:t>12</a:t>
+            </a:fld>
+            <a:endParaRPr lang="en-US" noProof="0" dirty="0"/>
+          </a:p>
+        </p:txBody>
+      </p:sp>
       <p:pic>
         <p:nvPicPr>
-          <p:cNvPr id="6" name="Picture 5"/>
+          <p:cNvPr id="2" name="Picture 1"/>
           <p:cNvPicPr>
             <a:picLocks noChangeAspect="1"/>
           </p:cNvPicPr>
@@ -33761,8 +33794,8 @@
         </p:blipFill>
         <p:spPr>
           <a:xfrm>
-            <a:off x="8514155" y="1764000"/>
-            <a:ext cx="2783689" cy="3584666"/>
+            <a:off x="8076000" y="1899000"/>
+            <a:ext cx="3240148" cy="3584666"/>
           </a:xfrm>
           <a:prstGeom prst="rect">
             <a:avLst/>
@@ -33799,48 +33832,6 @@
           </a:sp3d>
         </p:spPr>
       </p:pic>
-      <p:sp>
-        <p:nvSpPr>
-          <p:cNvPr id="8" name="Slide Number">
-            <a:extLst>
-              <a:ext uri="{FF2B5EF4-FFF2-40B4-BE49-F238E27FC236}">
-                <a16:creationId xmlns:a16="http://schemas.microsoft.com/office/drawing/2014/main" xmlns="" id="{C1780DB1-0AF0-4108-AFE1-9DA99F0DBCB8}"/>
-              </a:ext>
-            </a:extLst>
-          </p:cNvPr>
-          <p:cNvSpPr>
-            <a:spLocks noGrp="1"/>
-          </p:cNvSpPr>
-          <p:nvPr>
-            <p:ph type="sldNum" sz="quarter" idx="5"/>
-          </p:nvPr>
-        </p:nvSpPr>
-        <p:spPr>
-          <a:xfrm>
-            <a:off x="11753030" y="6507000"/>
-            <a:ext cx="367414" cy="297000"/>
-          </a:xfrm>
-          <a:prstGeom prst="rect">
-            <a:avLst/>
-          </a:prstGeom>
-        </p:spPr>
-        <p:txBody>
-          <a:bodyPr vert="horz" lIns="91440" tIns="45720" rIns="91440" bIns="45720" rtlCol="0" anchor="b"/>
-          <a:lstStyle>
-            <a:lvl1pPr algn="r">
-              <a:defRPr sz="1000"/>
-            </a:lvl1pPr>
-          </a:lstStyle>
-          <a:p>
-            <a:fld id="{2BF067CD-8E6B-4360-9AA8-C5DF2A48A6D1}" type="slidenum">
-              <a:rPr lang="en-US" noProof="0" smtClean="0"/>
-              <a:pPr/>
-              <a:t>12</a:t>
-            </a:fld>
-            <a:endParaRPr lang="en-US" noProof="0" dirty="0"/>
-          </a:p>
-        </p:txBody>
-      </p:sp>
     </p:spTree>
     <p:extLst>
       <p:ext uri="{BB962C8B-B14F-4D97-AF65-F5344CB8AC3E}">
@@ -33895,7 +33886,7 @@
                                         <p:tgtEl>
                                           <p:spTgt spid="5">
                                             <p:txEl>
-                                              <p:pRg st="1" end="1"/>
+                                              <p:pRg st="0" end="0"/>
                                             </p:txEl>
                                           </p:spTgt>
                                         </p:tgtEl>
@@ -33944,7 +33935,7 @@
                                         <p:tgtEl>
                                           <p:spTgt spid="5">
                                             <p:txEl>
-                                              <p:pRg st="2" end="2"/>
+                                              <p:pRg st="1" end="1"/>
                                             </p:txEl>
                                           </p:spTgt>
                                         </p:tgtEl>
@@ -33986,6 +33977,55 @@
                                     <p:set>
                                       <p:cBhvr>
                                         <p:cTn id="14" dur="1" fill="hold">
+                                          <p:stCondLst>
+                                            <p:cond delay="0"/>
+                                          </p:stCondLst>
+                                        </p:cTn>
+                                        <p:tgtEl>
+                                          <p:spTgt spid="5">
+                                            <p:txEl>
+                                              <p:pRg st="2" end="2"/>
+                                            </p:txEl>
+                                          </p:spTgt>
+                                        </p:tgtEl>
+                                        <p:attrNameLst>
+                                          <p:attrName>style.visibility</p:attrName>
+                                        </p:attrNameLst>
+                                      </p:cBhvr>
+                                      <p:to>
+                                        <p:strVal val="visible"/>
+                                      </p:to>
+                                    </p:set>
+                                  </p:childTnLst>
+                                </p:cTn>
+                              </p:par>
+                            </p:childTnLst>
+                          </p:cTn>
+                        </p:par>
+                      </p:childTnLst>
+                    </p:cTn>
+                  </p:par>
+                  <p:par>
+                    <p:cTn id="15" fill="hold">
+                      <p:stCondLst>
+                        <p:cond delay="indefinite"/>
+                      </p:stCondLst>
+                      <p:childTnLst>
+                        <p:par>
+                          <p:cTn id="16" fill="hold">
+                            <p:stCondLst>
+                              <p:cond delay="0"/>
+                            </p:stCondLst>
+                            <p:childTnLst>
+                              <p:par>
+                                <p:cTn id="17" presetID="1" presetClass="entr" presetSubtype="0" fill="hold" nodeType="clickEffect">
+                                  <p:stCondLst>
+                                    <p:cond delay="0"/>
+                                  </p:stCondLst>
+                                  <p:childTnLst>
+                                    <p:set>
+                                      <p:cBhvr>
+                                        <p:cTn id="18" dur="1" fill="hold">
                                           <p:stCondLst>
                                             <p:cond delay="0"/>
                                           </p:stCondLst>
@@ -34177,7 +34217,7 @@
         </p:nvSpPr>
         <p:spPr>
           <a:xfrm>
-            <a:off x="2057400" y="1143000"/>
+            <a:off x="2091000" y="1134000"/>
             <a:ext cx="9927138" cy="5276048"/>
           </a:xfrm>
         </p:spPr>
@@ -34190,7 +34230,7 @@
             <a:r>
               <a:rPr lang="en-US" dirty="0">
                 <a:solidFill>
-                  <a:srgbClr val="FF0000"/>
+                  <a:schemeClr val="tx2"/>
                 </a:solidFill>
                 <a:hlinkClick r:id="rId2"/>
               </a:rPr>
@@ -34198,7 +34238,7 @@
             </a:r>
             <a:endParaRPr lang="en-US" sz="2400" dirty="0">
               <a:solidFill>
-                <a:srgbClr val="FF0000"/>
+                <a:schemeClr val="tx2"/>
               </a:solidFill>
             </a:endParaRPr>
           </a:p>
@@ -35418,193 +35458,6 @@
           </a:p>
         </p:txBody>
       </p:sp>
-      <p:pic>
-        <p:nvPicPr>
-          <p:cNvPr id="13" name="Picture 12">
-            <a:extLst>
-              <a:ext uri="{FF2B5EF4-FFF2-40B4-BE49-F238E27FC236}">
-                <a16:creationId xmlns:a16="http://schemas.microsoft.com/office/drawing/2014/main" xmlns="" id="{11F09460-D29B-4D4D-B630-879EE0BA7C11}"/>
-              </a:ext>
-            </a:extLst>
-          </p:cNvPr>
-          <p:cNvPicPr>
-            <a:picLocks noChangeAspect="1"/>
-          </p:cNvPicPr>
-          <p:nvPr/>
-        </p:nvPicPr>
-        <p:blipFill rotWithShape="1">
-          <a:blip r:embed="rId4" cstate="print">
-            <a:extLst>
-              <a:ext uri="{28A0092B-C50C-407E-A947-70E740481C1C}">
-                <a14:useLocalDpi xmlns:a14="http://schemas.microsoft.com/office/drawing/2010/main" val="0"/>
-              </a:ext>
-            </a:extLst>
-          </a:blip>
-          <a:srcRect/>
-          <a:stretch/>
-        </p:blipFill>
-        <p:spPr>
-          <a:xfrm rot="3245302">
-            <a:off x="7120999" y="2270282"/>
-            <a:ext cx="2948472" cy="3455980"/>
-          </a:xfrm>
-          <a:prstGeom prst="rect">
-            <a:avLst/>
-          </a:prstGeom>
-        </p:spPr>
-      </p:pic>
-      <p:sp>
-        <p:nvSpPr>
-          <p:cNvPr id="21" name="TextBox 20">
-            <a:extLst>
-              <a:ext uri="{FF2B5EF4-FFF2-40B4-BE49-F238E27FC236}">
-                <a16:creationId xmlns:a16="http://schemas.microsoft.com/office/drawing/2014/main" xmlns="" id="{D405ED6E-1EBA-4D38-BE25-10051C8F2CC7}"/>
-              </a:ext>
-            </a:extLst>
-          </p:cNvPr>
-          <p:cNvSpPr txBox="1"/>
-          <p:nvPr/>
-        </p:nvSpPr>
-        <p:spPr>
-          <a:xfrm>
-            <a:off x="8004904" y="3276300"/>
-            <a:ext cx="1911099" cy="1285494"/>
-          </a:xfrm>
-          <a:prstGeom prst="rect">
-            <a:avLst/>
-          </a:prstGeom>
-        </p:spPr>
-        <p:txBody>
-          <a:bodyPr vert="horz" lIns="108000" tIns="36000" rIns="108000" bIns="36000" rtlCol="0">
-            <a:normAutofit/>
-          </a:bodyPr>
-          <a:lstStyle>
-            <a:lvl1pPr marL="456915" indent="-456915" defTabSz="1218438" latinLnBrk="1">
-              <a:lnSpc>
-                <a:spcPct val="105000"/>
-              </a:lnSpc>
-              <a:spcBef>
-                <a:spcPts val="1200"/>
-              </a:spcBef>
-              <a:spcAft>
-                <a:spcPts val="2400"/>
-              </a:spcAft>
-              <a:buFont typeface="Wingdings" panose="05000000000000000000" pitchFamily="2" charset="2"/>
-              <a:buChar char="§"/>
-              <a:defRPr sz="3600"/>
-            </a:lvl1pPr>
-            <a:lvl2pPr marL="989981" lvl="1" indent="-380762" defTabSz="1218438" latinLnBrk="1">
-              <a:lnSpc>
-                <a:spcPct val="105000"/>
-              </a:lnSpc>
-              <a:spcBef>
-                <a:spcPts val="600"/>
-              </a:spcBef>
-              <a:spcAft>
-                <a:spcPts val="600"/>
-              </a:spcAft>
-              <a:buFont typeface="Wingdings" panose="05000000000000000000" pitchFamily="2" charset="2"/>
-              <a:buChar char="§"/>
-              <a:defRPr sz="3400"/>
-            </a:lvl2pPr>
-            <a:lvl3pPr marL="1523048" lvl="2" indent="-304610" defTabSz="1218438" latinLnBrk="1">
-              <a:lnSpc>
-                <a:spcPct val="105000"/>
-              </a:lnSpc>
-              <a:spcBef>
-                <a:spcPts val="600"/>
-              </a:spcBef>
-              <a:spcAft>
-                <a:spcPts val="2400"/>
-              </a:spcAft>
-              <a:buFont typeface="Wingdings" panose="05000000000000000000" pitchFamily="2" charset="2"/>
-              <a:buChar char="§"/>
-              <a:defRPr sz="3200"/>
-            </a:lvl3pPr>
-            <a:lvl4pPr marL="2132267" indent="-304610" defTabSz="1218438" latinLnBrk="1">
-              <a:lnSpc>
-                <a:spcPct val="105000"/>
-              </a:lnSpc>
-              <a:spcBef>
-                <a:spcPts val="600"/>
-              </a:spcBef>
-              <a:spcAft>
-                <a:spcPts val="600"/>
-              </a:spcAft>
-              <a:buFont typeface="Wingdings" panose="05000000000000000000" pitchFamily="2" charset="2"/>
-              <a:buChar char="§"/>
-              <a:defRPr sz="2798"/>
-            </a:lvl4pPr>
-            <a:lvl5pPr marL="2741485" indent="-304610" defTabSz="1218438" latinLnBrk="1">
-              <a:lnSpc>
-                <a:spcPct val="105000"/>
-              </a:lnSpc>
-              <a:spcBef>
-                <a:spcPts val="600"/>
-              </a:spcBef>
-              <a:spcAft>
-                <a:spcPts val="600"/>
-              </a:spcAft>
-              <a:buFont typeface="Wingdings" panose="05000000000000000000" pitchFamily="2" charset="2"/>
-              <a:buChar char="§"/>
-              <a:defRPr sz="2598"/>
-            </a:lvl5pPr>
-            <a:lvl6pPr marL="3350704" indent="-304610" defTabSz="1218438" latinLnBrk="1">
-              <a:spcBef>
-                <a:spcPct val="20000"/>
-              </a:spcBef>
-              <a:buFont typeface="Arial" pitchFamily="34" charset="0"/>
-              <a:buChar char="•"/>
-              <a:defRPr sz="2665"/>
-            </a:lvl6pPr>
-            <a:lvl7pPr marL="3959924" indent="-304610" defTabSz="1218438" latinLnBrk="1">
-              <a:spcBef>
-                <a:spcPct val="20000"/>
-              </a:spcBef>
-              <a:buFont typeface="Arial" pitchFamily="34" charset="0"/>
-              <a:buChar char="•"/>
-              <a:defRPr sz="2665"/>
-            </a:lvl7pPr>
-            <a:lvl8pPr marL="4569143" indent="-304610" defTabSz="1218438" latinLnBrk="1">
-              <a:spcBef>
-                <a:spcPct val="20000"/>
-              </a:spcBef>
-              <a:buFont typeface="Arial" pitchFamily="34" charset="0"/>
-              <a:buChar char="•"/>
-              <a:defRPr sz="2665"/>
-            </a:lvl8pPr>
-            <a:lvl9pPr marL="5178362" indent="-304610" defTabSz="1218438" latinLnBrk="1">
-              <a:spcBef>
-                <a:spcPct val="20000"/>
-              </a:spcBef>
-              <a:buFont typeface="Arial" pitchFamily="34" charset="0"/>
-              <a:buChar char="•"/>
-              <a:defRPr sz="2665"/>
-            </a:lvl9pPr>
-          </a:lstStyle>
-          <a:p>
-            <a:pPr marL="0" indent="0" algn="ctr">
-              <a:buNone/>
-            </a:pPr>
-            <a:r>
-              <a:rPr lang="en-US" sz="2400" b="1" dirty="0"/>
-              <a:t>Homework</a:t>
-            </a:r>
-            <a:r>
-              <a:rPr lang="bg-BG" sz="2400" b="1" dirty="0"/>
-              <a:t/>
-            </a:r>
-            <a:br>
-              <a:rPr lang="bg-BG" sz="2400" b="1" dirty="0"/>
-            </a:br>
-            <a:r>
-              <a:rPr lang="bg-BG" sz="2400" b="1" dirty="0"/>
-              <a:t>5%</a:t>
-            </a:r>
-            <a:endParaRPr lang="en-US" sz="2400" b="1" dirty="0"/>
-          </a:p>
-        </p:txBody>
-      </p:sp>
       <p:sp>
         <p:nvSpPr>
           <p:cNvPr id="12" name="Slide Number">
@@ -36701,16 +36554,7 @@
                 <a:latin typeface="Consolas" pitchFamily="49" charset="0"/>
                 <a:hlinkClick r:id="rId8"/>
               </a:rPr>
-              <a:t>softuni.bg/trainings/</a:t>
-            </a:r>
-            <a:r>
-              <a:rPr lang="en-US" sz="2400" b="1" noProof="1" smtClean="0">
-                <a:solidFill>
-                  <a:schemeClr val="bg1"/>
-                </a:solidFill>
-                <a:latin typeface="Consolas" pitchFamily="49" charset="0"/>
-              </a:rPr>
-              <a:t>3223/js-back-end-january-2021</a:t>
+              <a:t>softuni.bg/trainings/3223/js-back-end-january-2021</a:t>
             </a:r>
             <a:endParaRPr lang="en-US" sz="2400" b="1" noProof="1">
               <a:solidFill>
@@ -36842,6 +36686,7 @@
                   <a:schemeClr val="bg1"/>
                 </a:solidFill>
                 <a:latin typeface="Consolas" pitchFamily="49" charset="0"/>
+                <a:hlinkClick r:id="rId10"/>
               </a:rPr>
               <a:t>facebook.com/groups/jsbackendjanuary2021</a:t>
             </a:r>
@@ -38976,8 +38821,8 @@
         </p:blipFill>
         <p:spPr>
           <a:xfrm>
-            <a:off x="5829280" y="4536823"/>
-            <a:ext cx="5436000" cy="863377"/>
+            <a:off x="5111631" y="4407698"/>
+            <a:ext cx="6140835" cy="951208"/>
           </a:xfrm>
           <a:prstGeom prst="roundRect">
             <a:avLst/>
@@ -39018,7 +38863,7 @@
         </p:blipFill>
         <p:spPr bwMode="auto">
           <a:xfrm>
-            <a:off x="7449280" y="1370599"/>
+            <a:off x="2280000" y="3354843"/>
             <a:ext cx="3816000" cy="900000"/>
           </a:xfrm>
           <a:prstGeom prst="roundRect">
@@ -39053,13 +38898,13 @@
               </a:ext>
             </a:extLst>
           </a:blip>
-          <a:srcRect l="-12459" t="5588" r="-17410" b="1819"/>
+          <a:srcRect l="2257" t="5588" r="-7813" b="1819"/>
           <a:stretch/>
         </p:blipFill>
         <p:spPr>
           <a:xfrm>
-            <a:off x="4707682" y="2396814"/>
-            <a:ext cx="3600000" cy="900000"/>
+            <a:off x="5107204" y="5524457"/>
+            <a:ext cx="2926080" cy="900000"/>
           </a:xfrm>
           <a:prstGeom prst="roundRect">
             <a:avLst/>
@@ -39098,8 +38943,8 @@
         </p:blipFill>
         <p:spPr>
           <a:xfrm>
-            <a:off x="1082032" y="4501324"/>
-            <a:ext cx="2808000" cy="913810"/>
+            <a:off x="8438772" y="1238451"/>
+            <a:ext cx="2808000" cy="885534"/>
           </a:xfrm>
           <a:prstGeom prst="roundRect">
             <a:avLst/>
@@ -39138,8 +38983,8 @@
         </p:blipFill>
         <p:spPr>
           <a:xfrm>
-            <a:off x="4162272" y="3468257"/>
-            <a:ext cx="4536000" cy="908427"/>
+            <a:off x="3940364" y="2287667"/>
+            <a:ext cx="4536000" cy="903495"/>
           </a:xfrm>
           <a:prstGeom prst="roundRect">
             <a:avLst/>
@@ -39173,13 +39018,13 @@
               </a:ext>
             </a:extLst>
           </a:blip>
-          <a:srcRect l="-41667" t="4940" r="-41667" b="5774"/>
+          <a:srcRect l="3315" t="4941" r="3550" b="4346"/>
           <a:stretch/>
         </p:blipFill>
         <p:spPr>
           <a:xfrm>
-            <a:off x="1082032" y="1379658"/>
-            <a:ext cx="1980000" cy="900000"/>
+            <a:off x="1063878" y="3344133"/>
+            <a:ext cx="982122" cy="916617"/>
           </a:xfrm>
           <a:prstGeom prst="roundRect">
             <a:avLst/>
@@ -39257,13 +39102,13 @@
         </p:nvPicPr>
         <p:blipFill rotWithShape="1">
           <a:blip r:embed="rId16"/>
-          <a:srcRect l="-89" t="5064" r="-1177" b="5064"/>
+          <a:srcRect l="5838" t="5064" r="4136" b="5064"/>
           <a:stretch/>
         </p:blipFill>
         <p:spPr>
           <a:xfrm>
-            <a:off x="1082032" y="3400440"/>
-            <a:ext cx="2880000" cy="970620"/>
+            <a:off x="8686452" y="2285029"/>
+            <a:ext cx="2560320" cy="908427"/>
           </a:xfrm>
           <a:prstGeom prst="roundRect">
             <a:avLst/>
@@ -39297,8 +39142,8 @@
         </p:blipFill>
         <p:spPr>
           <a:xfrm>
-            <a:off x="8898513" y="2505683"/>
-            <a:ext cx="2366767" cy="1810989"/>
+            <a:off x="6330000" y="3352442"/>
+            <a:ext cx="1176203" cy="900000"/>
           </a:xfrm>
           <a:prstGeom prst="roundRect">
             <a:avLst/>
@@ -39332,7 +39177,7 @@
         </p:blipFill>
         <p:spPr>
           <a:xfrm>
-            <a:off x="4107086" y="4523389"/>
+            <a:off x="1063878" y="1238451"/>
             <a:ext cx="1505139" cy="864654"/>
           </a:xfrm>
           <a:prstGeom prst="roundRect">
@@ -39366,8 +39211,8 @@
         </p:blipFill>
         <p:spPr>
           <a:xfrm>
-            <a:off x="3420000" y="1379657"/>
-            <a:ext cx="3636000" cy="908428"/>
+            <a:off x="7740203" y="3338226"/>
+            <a:ext cx="3512263" cy="908428"/>
           </a:xfrm>
           <a:prstGeom prst="roundRect">
             <a:avLst/>
@@ -39385,13 +39230,8 @@
       </p:pic>
       <p:pic>
         <p:nvPicPr>
-          <p:cNvPr id="21" name="Picture 20">
+          <p:cNvPr id="7" name="Picture 6">
             <a:hlinkClick r:id="rId23"/>
-            <a:extLst>
-              <a:ext uri="{FF2B5EF4-FFF2-40B4-BE49-F238E27FC236}">
-                <a16:creationId xmlns:a16="http://schemas.microsoft.com/office/drawing/2014/main" xmlns="" id="{209EACB9-FC1D-4DCA-BC86-B0DD02312350}"/>
-              </a:ext>
-            </a:extLst>
           </p:cNvPr>
           <p:cNvPicPr>
             <a:picLocks noChangeAspect="1"/>
@@ -39400,43 +39240,6 @@
         </p:nvPicPr>
         <p:blipFill>
           <a:blip r:embed="rId24"/>
-          <a:stretch>
-            <a:fillRect/>
-          </a:stretch>
-        </p:blipFill>
-        <p:spPr>
-          <a:xfrm>
-            <a:off x="1068697" y="5565962"/>
-            <a:ext cx="6837809" cy="868120"/>
-          </a:xfrm>
-          <a:prstGeom prst="roundRect">
-            <a:avLst/>
-          </a:prstGeom>
-          <a:solidFill>
-            <a:schemeClr val="bg2"/>
-          </a:solidFill>
-          <a:ln>
-            <a:solidFill>
-              <a:schemeClr val="tx1"/>
-            </a:solidFill>
-          </a:ln>
-          <a:effectLst>
-            <a:softEdge rad="0"/>
-          </a:effectLst>
-        </p:spPr>
-      </p:pic>
-      <p:pic>
-        <p:nvPicPr>
-          <p:cNvPr id="7" name="Picture 6">
-            <a:hlinkClick r:id="rId25"/>
-          </p:cNvPr>
-          <p:cNvPicPr>
-            <a:picLocks noChangeAspect="1"/>
-          </p:cNvPicPr>
-          <p:nvPr/>
-        </p:nvPicPr>
-        <p:blipFill>
-          <a:blip r:embed="rId26"/>
           <a:stretch>
             <a:fillRect/>
           </a:stretch>
@@ -39463,7 +39266,7 @@
       <p:pic>
         <p:nvPicPr>
           <p:cNvPr id="23" name="SmartIT">
-            <a:hlinkClick r:id="rId27"/>
+            <a:hlinkClick r:id="rId25"/>
             <a:extLst>
               <a:ext uri="{FF2B5EF4-FFF2-40B4-BE49-F238E27FC236}">
                 <a16:creationId xmlns:a16="http://schemas.microsoft.com/office/drawing/2014/main" xmlns="" id="{115D4F40-B5EA-427C-849F-B6EFFC9B617C}"/>
@@ -39476,20 +39279,20 @@
           <p:nvPr/>
         </p:nvPicPr>
         <p:blipFill rotWithShape="1">
-          <a:blip r:embed="rId28" cstate="print">
+          <a:blip r:embed="rId26" cstate="print">
             <a:extLst>
               <a:ext uri="{28A0092B-C50C-407E-A947-70E740481C1C}">
                 <a14:useLocalDpi xmlns:a14="http://schemas.microsoft.com/office/drawing/2010/main" val="0"/>
               </a:ext>
             </a:extLst>
           </a:blip>
-          <a:srcRect l="-14148" t="-5711" r="-20926" b="-8810"/>
+          <a:srcRect l="-1863" t="-5711" r="-3984" b="-8810"/>
           <a:stretch/>
         </p:blipFill>
         <p:spPr>
           <a:xfrm>
-            <a:off x="1068697" y="2396814"/>
-            <a:ext cx="3384000" cy="900000"/>
+            <a:off x="1063878" y="2291161"/>
+            <a:ext cx="2651760" cy="900000"/>
           </a:xfrm>
           <a:prstGeom prst="roundRect">
             <a:avLst/>
@@ -39512,21 +39315,106 @@
           <a:sp3d/>
         </p:spPr>
       </p:pic>
+      <p:pic>
+        <p:nvPicPr>
+          <p:cNvPr id="8" name="Картина 7">
+            <a:extLst>
+              <a:ext uri="{FF2B5EF4-FFF2-40B4-BE49-F238E27FC236}">
+                <a16:creationId xmlns:a16="http://schemas.microsoft.com/office/drawing/2014/main" xmlns="" id="{F441F556-13A4-448E-B8DB-0D040FB86A4A}"/>
+              </a:ext>
+            </a:extLst>
+          </p:cNvPr>
+          <p:cNvPicPr>
+            <a:picLocks noChangeAspect="1"/>
+          </p:cNvPicPr>
+          <p:nvPr/>
+        </p:nvPicPr>
+        <p:blipFill rotWithShape="1">
+          <a:blip r:embed="rId27" cstate="print">
+            <a:extLst>
+              <a:ext uri="{28A0092B-C50C-407E-A947-70E740481C1C}">
+                <a14:useLocalDpi xmlns:a14="http://schemas.microsoft.com/office/drawing/2010/main" val="0"/>
+              </a:ext>
+            </a:extLst>
+          </a:blip>
+          <a:srcRect l="-4372" t="-4131" r="-2923" b="-8314"/>
+          <a:stretch/>
+        </p:blipFill>
+        <p:spPr>
+          <a:xfrm>
+            <a:off x="1063878" y="4407697"/>
+            <a:ext cx="3837857" cy="2016760"/>
+          </a:xfrm>
+          <a:prstGeom prst="roundRect">
+            <a:avLst/>
+          </a:prstGeom>
+          <a:ln>
+            <a:solidFill>
+              <a:schemeClr val="tx1"/>
+            </a:solidFill>
+          </a:ln>
+        </p:spPr>
+      </p:pic>
+      <p:pic>
+        <p:nvPicPr>
+          <p:cNvPr id="19" name="Netpeak" descr="Ð ÐµÐ·ÑÐ»ÑÐ°Ñ Ñ Ð¸Ð·Ð¾Ð±ÑÐ°Ð¶ÐµÐ½Ð¸Ðµ Ð·Ð° netpeak">
+            <a:hlinkClick r:id="rId28"/>
+            <a:extLst>
+              <a:ext uri="{FF2B5EF4-FFF2-40B4-BE49-F238E27FC236}">
+                <a16:creationId xmlns:a16="http://schemas.microsoft.com/office/drawing/2014/main" xmlns="" id="{A39475DC-B021-42B2-9DEC-2119CF1497CA}"/>
+              </a:ext>
+            </a:extLst>
+          </p:cNvPr>
+          <p:cNvPicPr>
+            <a:picLocks noChangeAspect="1" noChangeArrowheads="1"/>
+          </p:cNvPicPr>
+          <p:nvPr/>
+        </p:nvPicPr>
+        <p:blipFill rotWithShape="1">
+          <a:blip r:embed="rId29" cstate="print">
+            <a:extLst>
+              <a:ext uri="{28A0092B-C50C-407E-A947-70E740481C1C}">
+                <a14:useLocalDpi xmlns:a14="http://schemas.microsoft.com/office/drawing/2010/main" val="0"/>
+              </a:ext>
+            </a:extLst>
+          </a:blip>
+          <a:srcRect l="-7291" t="-11436" r="-7291" b="-11436"/>
+          <a:stretch/>
+        </p:blipFill>
+        <p:spPr bwMode="auto">
+          <a:xfrm>
+            <a:off x="2715180" y="1239728"/>
+            <a:ext cx="5577429" cy="863377"/>
+          </a:xfrm>
+          <a:prstGeom prst="roundRect">
+            <a:avLst/>
+          </a:prstGeom>
+          <a:solidFill>
+            <a:schemeClr val="bg2"/>
+          </a:solidFill>
+          <a:ln>
+            <a:solidFill>
+              <a:schemeClr val="tx1"/>
+            </a:solidFill>
+          </a:ln>
+          <a:effectLst/>
+        </p:spPr>
+      </p:pic>
     </p:spTree>
     <p:extLst>
       <p:ext uri="{BB962C8B-B14F-4D97-AF65-F5344CB8AC3E}">
-        <p14:creationId xmlns:p14="http://schemas.microsoft.com/office/powerpoint/2010/main" val="209498909"/>
+        <p14:creationId xmlns:p14="http://schemas.microsoft.com/office/powerpoint/2010/main" val="782717572"/>
       </p:ext>
     </p:extLst>
   </p:cSld>
   <p:clrMapOvr>
     <a:masterClrMapping/>
   </p:clrMapOvr>
-  <mc:AlternateContent xmlns:mc="http://schemas.openxmlformats.org/markup-compatibility/2006">
-    <mc:Choice xmlns:p14="http://schemas.microsoft.com/office/powerpoint/2010/main" Requires="p14">
+  <mc:AlternateContent xmlns:mc="http://schemas.openxmlformats.org/markup-compatibility/2006" xmlns:p14="http://schemas.microsoft.com/office/powerpoint/2010/main">
+    <mc:Choice Requires="p14">
       <p:transition spd="slow" p14:dur="2000" advClick="0" advTm="5000"/>
     </mc:Choice>
-    <mc:Fallback>
+    <mc:Fallback xmlns="">
       <p:transition spd="slow" advClick="0" advTm="5000"/>
     </mc:Fallback>
   </mc:AlternateContent>
@@ -40712,6 +40600,21 @@
           <a:p>
             <a:pPr algn="ctr"/>
             <a:r>
+              <a:rPr lang="en-GB" sz="2000" b="1" smtClean="0">
+                <a:solidFill>
+                  <a:srgbClr val="FFFFFF"/>
+                </a:solidFill>
+                <a:effectLst>
+                  <a:outerShdw blurRad="38100" dist="38100" dir="2700000" algn="tl">
+                    <a:srgbClr val="000000">
+                      <a:alpha val="43137"/>
+                    </a:srgbClr>
+                  </a:outerShdw>
+                </a:effectLst>
+              </a:rPr>
+              <a:t>15 </a:t>
+            </a:r>
+            <a:r>
               <a:rPr lang="en-GB" sz="2000" b="1" dirty="0">
                 <a:solidFill>
                   <a:srgbClr val="FFFFFF"/>
@@ -40724,7 +40627,7 @@
                   </a:outerShdw>
                 </a:effectLst>
               </a:rPr>
-              <a:t>9 credits</a:t>
+              <a:t>credits</a:t>
             </a:r>
           </a:p>
           <a:p>
@@ -40772,7 +40675,37 @@
                   </a:outerShdw>
                 </a:effectLst>
               </a:rPr>
-              <a:t>15-Jan-2021</a:t>
+              <a:t>1</a:t>
+            </a:r>
+            <a:r>
+              <a:rPr lang="bg-BG" sz="2000" b="1" dirty="0" smtClean="0">
+                <a:solidFill>
+                  <a:srgbClr val="FFFFFF"/>
+                </a:solidFill>
+                <a:effectLst>
+                  <a:outerShdw blurRad="38100" dist="38100" dir="2700000" algn="tl">
+                    <a:srgbClr val="000000">
+                      <a:alpha val="43137"/>
+                    </a:srgbClr>
+                  </a:outerShdw>
+                </a:effectLst>
+              </a:rPr>
+              <a:t>2</a:t>
+            </a:r>
+            <a:r>
+              <a:rPr lang="en-GB" sz="2000" b="1" dirty="0" smtClean="0">
+                <a:solidFill>
+                  <a:srgbClr val="FFFFFF"/>
+                </a:solidFill>
+                <a:effectLst>
+                  <a:outerShdw blurRad="38100" dist="38100" dir="2700000" algn="tl">
+                    <a:srgbClr val="000000">
+                      <a:alpha val="43137"/>
+                    </a:srgbClr>
+                  </a:outerShdw>
+                </a:effectLst>
+              </a:rPr>
+              <a:t>-Jan-2021</a:t>
             </a:r>
             <a:endParaRPr lang="en-GB" sz="2000" b="1" dirty="0">
               <a:solidFill>
@@ -41079,10 +41012,10 @@
                   </a:outerShdw>
                 </a:effectLst>
               </a:rPr>
-              <a:t>Theoretical: </a:t>
-            </a:r>
-            <a:r>
-              <a:rPr lang="en-GB" sz="2000" b="1" dirty="0" smtClean="0">
+              <a:t>Theoretical</a:t>
+            </a:r>
+            <a:r>
+              <a:rPr lang="en-GB" sz="2000" b="1">
                 <a:solidFill>
                   <a:schemeClr val="bg2"/>
                 </a:solidFill>
@@ -41094,7 +41027,22 @@
                   </a:outerShdw>
                 </a:effectLst>
               </a:rPr>
-              <a:t>14-Feb-2021</a:t>
+              <a:t>: </a:t>
+            </a:r>
+            <a:r>
+              <a:rPr lang="en-GB" sz="2000" b="1" smtClean="0">
+                <a:solidFill>
+                  <a:schemeClr val="bg2"/>
+                </a:solidFill>
+                <a:effectLst>
+                  <a:outerShdw blurRad="38100" dist="38100" dir="2700000" algn="tl">
+                    <a:srgbClr val="000000">
+                      <a:alpha val="43137"/>
+                    </a:srgbClr>
+                  </a:outerShdw>
+                </a:effectLst>
+              </a:rPr>
+              <a:t>14-Apr-2021</a:t>
             </a:r>
             <a:endParaRPr lang="en-GB" sz="2000" b="1" dirty="0">
               <a:solidFill>
